--- a/presentation/shttr.pptx
+++ b/presentation/shttr.pptx
@@ -12,6 +12,7 @@
     <p:sldId id="260" r:id="rId6"/>
     <p:sldId id="261" r:id="rId7"/>
     <p:sldId id="262" r:id="rId8"/>
+    <p:sldId id="263" r:id="rId9"/>
   </p:sldIdLst>
   <p:sldSz cx="12192000" cy="6858000"/>
   <p:notesSz cx="6858000" cy="9144000"/>
@@ -9398,6 +9399,136 @@
           </a:extLst>
         </p:spPr>
       </p:pic>
+      <p:sp>
+        <p:nvSpPr>
+          <p:cNvPr id="7" name="Title 1">
+            <a:extLst>
+              <a:ext uri="{FF2B5EF4-FFF2-40B4-BE49-F238E27FC236}">
+                <a16:creationId xmlns:a16="http://schemas.microsoft.com/office/drawing/2014/main" id="{B095D646-2F48-46FE-946E-98DBABC83972}"/>
+              </a:ext>
+            </a:extLst>
+          </p:cNvPr>
+          <p:cNvSpPr txBox="1">
+            <a:spLocks/>
+          </p:cNvSpPr>
+          <p:nvPr/>
+        </p:nvSpPr>
+        <p:spPr>
+          <a:xfrm>
+            <a:off x="0" y="4800599"/>
+            <a:ext cx="7234327" cy="716114"/>
+          </a:xfrm>
+          <a:prstGeom prst="rect">
+            <a:avLst/>
+          </a:prstGeom>
+          <a:effectLst>
+            <a:outerShdw blurRad="25400" dir="17880000">
+              <a:srgbClr val="000000">
+                <a:alpha val="46000"/>
+              </a:srgbClr>
+            </a:outerShdw>
+          </a:effectLst>
+        </p:spPr>
+        <p:txBody>
+          <a:bodyPr vert="horz" lIns="91440" tIns="45720" rIns="91440" bIns="45720" rtlCol="0" anchor="b">
+            <a:normAutofit/>
+          </a:bodyPr>
+          <a:lstStyle>
+            <a:lvl1pPr algn="ctr" defTabSz="457200" rtl="0" eaLnBrk="1" latinLnBrk="0" hangingPunct="1">
+              <a:spcBef>
+                <a:spcPct val="0"/>
+              </a:spcBef>
+              <a:buNone/>
+              <a:defRPr sz="5400" kern="1200">
+                <a:ln>
+                  <a:solidFill>
+                    <a:schemeClr val="bg1">
+                      <a:lumMod val="75000"/>
+                      <a:lumOff val="25000"/>
+                      <a:alpha val="10000"/>
+                    </a:schemeClr>
+                  </a:solidFill>
+                </a:ln>
+                <a:solidFill>
+                  <a:schemeClr val="tx2"/>
+                </a:solidFill>
+                <a:effectLst>
+                  <a:outerShdw blurRad="9525" dist="25400" dir="14640000" algn="tl" rotWithShape="0">
+                    <a:schemeClr val="bg1">
+                      <a:alpha val="30000"/>
+                    </a:schemeClr>
+                  </a:outerShdw>
+                </a:effectLst>
+                <a:latin typeface="+mj-lt"/>
+                <a:ea typeface="+mj-ea"/>
+                <a:cs typeface="Trebuchet MS"/>
+              </a:defRPr>
+            </a:lvl1pPr>
+            <a:lvl2pPr eaLnBrk="1" hangingPunct="1">
+              <a:defRPr>
+                <a:solidFill>
+                  <a:schemeClr val="tx2"/>
+                </a:solidFill>
+              </a:defRPr>
+            </a:lvl2pPr>
+            <a:lvl3pPr eaLnBrk="1" hangingPunct="1">
+              <a:defRPr>
+                <a:solidFill>
+                  <a:schemeClr val="tx2"/>
+                </a:solidFill>
+              </a:defRPr>
+            </a:lvl3pPr>
+            <a:lvl4pPr eaLnBrk="1" hangingPunct="1">
+              <a:defRPr>
+                <a:solidFill>
+                  <a:schemeClr val="tx2"/>
+                </a:solidFill>
+              </a:defRPr>
+            </a:lvl4pPr>
+            <a:lvl5pPr eaLnBrk="1" hangingPunct="1">
+              <a:defRPr>
+                <a:solidFill>
+                  <a:schemeClr val="tx2"/>
+                </a:solidFill>
+              </a:defRPr>
+            </a:lvl5pPr>
+            <a:lvl6pPr eaLnBrk="1" hangingPunct="1">
+              <a:defRPr>
+                <a:solidFill>
+                  <a:schemeClr val="tx2"/>
+                </a:solidFill>
+              </a:defRPr>
+            </a:lvl6pPr>
+            <a:lvl7pPr eaLnBrk="1" hangingPunct="1">
+              <a:defRPr>
+                <a:solidFill>
+                  <a:schemeClr val="tx2"/>
+                </a:solidFill>
+              </a:defRPr>
+            </a:lvl7pPr>
+            <a:lvl8pPr eaLnBrk="1" hangingPunct="1">
+              <a:defRPr>
+                <a:solidFill>
+                  <a:schemeClr val="tx2"/>
+                </a:solidFill>
+              </a:defRPr>
+            </a:lvl8pPr>
+            <a:lvl9pPr eaLnBrk="1" hangingPunct="1">
+              <a:defRPr>
+                <a:solidFill>
+                  <a:schemeClr val="tx2"/>
+                </a:solidFill>
+              </a:defRPr>
+            </a:lvl9pPr>
+          </a:lstStyle>
+          <a:p>
+            <a:r>
+              <a:rPr lang="en-US" sz="3500" i="1" dirty="0"/>
+              <a:t>We help you get where you need to go</a:t>
+            </a:r>
+          </a:p>
+        </p:txBody>
+      </p:sp>
     </p:spTree>
     <p:extLst>
       <p:ext uri="{BB962C8B-B14F-4D97-AF65-F5344CB8AC3E}">
@@ -10802,7 +10933,7 @@
           <a:p>
             <a:r>
               <a:rPr lang="en-US" dirty="0"/>
-              <a:t>Q&amp;A Time!</a:t>
+              <a:t>Q&amp;A</a:t>
             </a:r>
           </a:p>
         </p:txBody>
@@ -10856,7 +10987,7 @@
         <p:spPr>
           <a:xfrm>
             <a:off x="919119" y="1416305"/>
-            <a:ext cx="10353762" cy="3534344"/>
+            <a:ext cx="10353762" cy="1177605"/>
           </a:xfrm>
         </p:spPr>
         <p:txBody>
@@ -10876,6 +11007,94 @@
     <p:extLst>
       <p:ext uri="{BB962C8B-B14F-4D97-AF65-F5344CB8AC3E}">
         <p14:creationId xmlns:p14="http://schemas.microsoft.com/office/powerpoint/2010/main" val="3000316011"/>
+      </p:ext>
+    </p:extLst>
+  </p:cSld>
+  <p:clrMapOvr>
+    <a:masterClrMapping/>
+  </p:clrMapOvr>
+</p:sld>
+</file>
+
+<file path=ppt/slides/slide8.xml><?xml version="1.0" encoding="utf-8"?>
+<p:sld xmlns:a="http://schemas.openxmlformats.org/drawingml/2006/main" xmlns:r="http://schemas.openxmlformats.org/officeDocument/2006/relationships" xmlns:p="http://schemas.openxmlformats.org/presentationml/2006/main">
+  <p:cSld>
+    <p:spTree>
+      <p:nvGrpSpPr>
+        <p:cNvPr id="1" name=""/>
+        <p:cNvGrpSpPr/>
+        <p:nvPr/>
+      </p:nvGrpSpPr>
+      <p:grpSpPr>
+        <a:xfrm>
+          <a:off x="0" y="0"/>
+          <a:ext cx="0" cy="0"/>
+          <a:chOff x="0" y="0"/>
+          <a:chExt cx="0" cy="0"/>
+        </a:xfrm>
+      </p:grpSpPr>
+      <p:sp>
+        <p:nvSpPr>
+          <p:cNvPr id="2" name="Title 1">
+            <a:extLst>
+              <a:ext uri="{FF2B5EF4-FFF2-40B4-BE49-F238E27FC236}">
+                <a16:creationId xmlns:a16="http://schemas.microsoft.com/office/drawing/2014/main" id="{F3FFB78A-D35E-4522-9703-B60E372BFC39}"/>
+              </a:ext>
+            </a:extLst>
+          </p:cNvPr>
+          <p:cNvSpPr>
+            <a:spLocks noGrp="1"/>
+          </p:cNvSpPr>
+          <p:nvPr>
+            <p:ph type="ctrTitle"/>
+          </p:nvPr>
+        </p:nvSpPr>
+        <p:spPr>
+          <a:xfrm>
+            <a:off x="1015481" y="1769538"/>
+            <a:ext cx="10161037" cy="1828801"/>
+          </a:xfrm>
+        </p:spPr>
+        <p:txBody>
+          <a:bodyPr/>
+          <a:lstStyle/>
+          <a:p>
+            <a:r>
+              <a:rPr lang="en-US" i="1" dirty="0"/>
+              <a:t>We help you get where you need to go</a:t>
+            </a:r>
+          </a:p>
+        </p:txBody>
+      </p:sp>
+      <p:sp>
+        <p:nvSpPr>
+          <p:cNvPr id="3" name="Subtitle 2">
+            <a:extLst>
+              <a:ext uri="{FF2B5EF4-FFF2-40B4-BE49-F238E27FC236}">
+                <a16:creationId xmlns:a16="http://schemas.microsoft.com/office/drawing/2014/main" id="{D149C03C-E52D-4F92-A597-B4671CDDEF39}"/>
+              </a:ext>
+            </a:extLst>
+          </p:cNvPr>
+          <p:cNvSpPr>
+            <a:spLocks noGrp="1"/>
+          </p:cNvSpPr>
+          <p:nvPr>
+            <p:ph type="subTitle" idx="1"/>
+          </p:nvPr>
+        </p:nvSpPr>
+        <p:spPr/>
+        <p:txBody>
+          <a:bodyPr/>
+          <a:lstStyle/>
+          <a:p>
+            <a:endParaRPr lang="en-US" dirty="0"/>
+          </a:p>
+        </p:txBody>
+      </p:sp>
+    </p:spTree>
+    <p:extLst>
+      <p:ext uri="{BB962C8B-B14F-4D97-AF65-F5344CB8AC3E}">
+        <p14:creationId xmlns:p14="http://schemas.microsoft.com/office/powerpoint/2010/main" val="227666300"/>
       </p:ext>
     </p:extLst>
   </p:cSld>

--- a/presentation/shttr.pptx
+++ b/presentation/shttr.pptx
@@ -9617,7 +9617,12 @@
             <p:ph sz="half" idx="1"/>
           </p:nvPr>
         </p:nvSpPr>
-        <p:spPr/>
+        <p:spPr>
+          <a:xfrm>
+            <a:off x="765110" y="2106856"/>
+            <a:ext cx="5597072" cy="4058750"/>
+          </a:xfrm>
+        </p:spPr>
         <p:txBody>
           <a:bodyPr/>
           <a:lstStyle/>
